--- a/Java程式設計.pptx
+++ b/Java程式設計.pptx
@@ -123,10 +123,25 @@
   <pc:docChgLst>
     <pc:chgData name="加辛 力" userId="ae7dc3b8e4cc9932" providerId="LiveId" clId="{9D5284D8-B562-4881-AF6F-142C803F330D}"/>
     <pc:docChg chg="undo custSel modSld">
-      <pc:chgData name="加辛 力" userId="ae7dc3b8e4cc9932" providerId="LiveId" clId="{9D5284D8-B562-4881-AF6F-142C803F330D}" dt="2025-05-17T10:06:26.990" v="12" actId="14100"/>
+      <pc:chgData name="加辛 力" userId="ae7dc3b8e4cc9932" providerId="LiveId" clId="{9D5284D8-B562-4881-AF6F-142C803F330D}" dt="2025-05-19T01:13:59.811" v="15" actId="20577"/>
       <pc:docMkLst>
         <pc:docMk/>
       </pc:docMkLst>
+      <pc:sldChg chg="modSp mod">
+        <pc:chgData name="加辛 力" userId="ae7dc3b8e4cc9932" providerId="LiveId" clId="{9D5284D8-B562-4881-AF6F-142C803F330D}" dt="2025-05-19T01:13:59.811" v="15" actId="20577"/>
+        <pc:sldMkLst>
+          <pc:docMk/>
+          <pc:sldMk cId="2561575359" sldId="261"/>
+        </pc:sldMkLst>
+        <pc:spChg chg="mod">
+          <ac:chgData name="加辛 力" userId="ae7dc3b8e4cc9932" providerId="LiveId" clId="{9D5284D8-B562-4881-AF6F-142C803F330D}" dt="2025-05-19T01:13:59.811" v="15" actId="20577"/>
+          <ac:spMkLst>
+            <pc:docMk/>
+            <pc:sldMk cId="2561575359" sldId="261"/>
+            <ac:spMk id="3" creationId="{C07ADB6B-58B8-43CC-8B0A-9B4C391642D7}"/>
+          </ac:spMkLst>
+        </pc:spChg>
+      </pc:sldChg>
       <pc:sldChg chg="addSp delSp modSp mod">
         <pc:chgData name="加辛 力" userId="ae7dc3b8e4cc9932" providerId="LiveId" clId="{9D5284D8-B562-4881-AF6F-142C803F330D}" dt="2025-05-17T10:06:26.990" v="12" actId="14100"/>
         <pc:sldMkLst>
@@ -342,7 +357,7 @@
           <a:p>
             <a:fld id="{20CC2760-1349-418D-87ED-CF7E478665CE}" type="datetimeFigureOut">
               <a:rPr lang="zh-TW" altLang="en-US" smtClean="0"/>
-              <a:t>2025/5/17</a:t>
+              <a:t>2025/5/19</a:t>
             </a:fld>
             <a:endParaRPr lang="zh-TW" altLang="en-US"/>
           </a:p>
@@ -553,7 +568,7 @@
           <a:p>
             <a:fld id="{20CC2760-1349-418D-87ED-CF7E478665CE}" type="datetimeFigureOut">
               <a:rPr lang="zh-TW" altLang="en-US" smtClean="0"/>
-              <a:t>2025/5/17</a:t>
+              <a:t>2025/5/19</a:t>
             </a:fld>
             <a:endParaRPr lang="zh-TW" altLang="en-US"/>
           </a:p>
@@ -768,7 +783,7 @@
           <a:p>
             <a:fld id="{20CC2760-1349-418D-87ED-CF7E478665CE}" type="datetimeFigureOut">
               <a:rPr lang="zh-TW" altLang="en-US" smtClean="0"/>
-              <a:t>2025/5/17</a:t>
+              <a:t>2025/5/19</a:t>
             </a:fld>
             <a:endParaRPr lang="zh-TW" altLang="en-US"/>
           </a:p>
@@ -969,7 +984,7 @@
           <a:p>
             <a:fld id="{20CC2760-1349-418D-87ED-CF7E478665CE}" type="datetimeFigureOut">
               <a:rPr lang="zh-TW" altLang="en-US" smtClean="0"/>
-              <a:t>2025/5/17</a:t>
+              <a:t>2025/5/19</a:t>
             </a:fld>
             <a:endParaRPr lang="zh-TW" altLang="en-US"/>
           </a:p>
@@ -1248,7 +1263,7 @@
           <a:p>
             <a:fld id="{20CC2760-1349-418D-87ED-CF7E478665CE}" type="datetimeFigureOut">
               <a:rPr lang="zh-TW" altLang="en-US" smtClean="0"/>
-              <a:t>2025/5/17</a:t>
+              <a:t>2025/5/19</a:t>
             </a:fld>
             <a:endParaRPr lang="zh-TW" altLang="en-US"/>
           </a:p>
@@ -1516,7 +1531,7 @@
           <a:p>
             <a:fld id="{20CC2760-1349-418D-87ED-CF7E478665CE}" type="datetimeFigureOut">
               <a:rPr lang="zh-TW" altLang="en-US" smtClean="0"/>
-              <a:t>2025/5/17</a:t>
+              <a:t>2025/5/19</a:t>
             </a:fld>
             <a:endParaRPr lang="zh-TW" altLang="en-US"/>
           </a:p>
@@ -1932,7 +1947,7 @@
           <a:p>
             <a:fld id="{20CC2760-1349-418D-87ED-CF7E478665CE}" type="datetimeFigureOut">
               <a:rPr lang="zh-TW" altLang="en-US" smtClean="0"/>
-              <a:t>2025/5/17</a:t>
+              <a:t>2025/5/19</a:t>
             </a:fld>
             <a:endParaRPr lang="zh-TW" altLang="en-US"/>
           </a:p>
@@ -2081,7 +2096,7 @@
           <a:p>
             <a:fld id="{20CC2760-1349-418D-87ED-CF7E478665CE}" type="datetimeFigureOut">
               <a:rPr lang="zh-TW" altLang="en-US" smtClean="0"/>
-              <a:t>2025/5/17</a:t>
+              <a:t>2025/5/19</a:t>
             </a:fld>
             <a:endParaRPr lang="zh-TW" altLang="en-US"/>
           </a:p>
@@ -2207,7 +2222,7 @@
           <a:p>
             <a:fld id="{20CC2760-1349-418D-87ED-CF7E478665CE}" type="datetimeFigureOut">
               <a:rPr lang="zh-TW" altLang="en-US" smtClean="0"/>
-              <a:t>2025/5/17</a:t>
+              <a:t>2025/5/19</a:t>
             </a:fld>
             <a:endParaRPr lang="zh-TW" altLang="en-US"/>
           </a:p>
@@ -2458,7 +2473,7 @@
           <a:p>
             <a:fld id="{20CC2760-1349-418D-87ED-CF7E478665CE}" type="datetimeFigureOut">
               <a:rPr lang="zh-TW" altLang="en-US" smtClean="0"/>
-              <a:t>2025/5/17</a:t>
+              <a:t>2025/5/19</a:t>
             </a:fld>
             <a:endParaRPr lang="zh-TW" altLang="en-US"/>
           </a:p>
@@ -2903,7 +2918,7 @@
           <a:p>
             <a:fld id="{20CC2760-1349-418D-87ED-CF7E478665CE}" type="datetimeFigureOut">
               <a:rPr lang="zh-TW" altLang="en-US" smtClean="0"/>
-              <a:t>2025/5/17</a:t>
+              <a:t>2025/5/19</a:t>
             </a:fld>
             <a:endParaRPr lang="zh-TW" altLang="en-US"/>
           </a:p>
@@ -3230,7 +3245,7 @@
           <a:p>
             <a:fld id="{20CC2760-1349-418D-87ED-CF7E478665CE}" type="datetimeFigureOut">
               <a:rPr lang="zh-TW" altLang="en-US" smtClean="0"/>
-              <a:t>2025/5/17</a:t>
+              <a:t>2025/5/19</a:t>
             </a:fld>
             <a:endParaRPr lang="zh-TW" altLang="en-US"/>
           </a:p>
@@ -4630,9 +4645,12 @@
               <a:buNone/>
             </a:pPr>
             <a:r>
-              <a:rPr lang="en-US" altLang="zh-TW" dirty="0"/>
-              <a:t>To be continue</a:t>
-            </a:r>
+              <a:rPr lang="en-US" altLang="zh-TW">
+                <a:hlinkClick r:id="rId2"/>
+              </a:rPr>
+              <a:t>video</a:t>
+            </a:r>
+            <a:endParaRPr lang="en-US" altLang="zh-TW" dirty="0"/>
           </a:p>
           <a:p>
             <a:pPr marL="0" indent="0">
